--- a/Sequence/fastai_lstm_rnn_timeseries.pptx
+++ b/Sequence/fastai_lstm_rnn_timeseries.pptx
@@ -14,9 +14,9 @@
   <p:sldIdLst>
     <p:sldId id="1114" r:id="rId3"/>
     <p:sldId id="1133" r:id="rId4"/>
-    <p:sldId id="1136" r:id="rId5"/>
-    <p:sldId id="1135" r:id="rId6"/>
-    <p:sldId id="1134" r:id="rId7"/>
+    <p:sldId id="1134" r:id="rId5"/>
+    <p:sldId id="1136" r:id="rId6"/>
+    <p:sldId id="1135" r:id="rId7"/>
     <p:sldId id="1137" r:id="rId8"/>
     <p:sldId id="1129" r:id="rId9"/>
     <p:sldId id="1127" r:id="rId10"/>
@@ -228,7 +228,7 @@
           <a:p>
             <a:fld id="{43B1B1F9-D0CB-FF4D-BEE0-BED1F1FDA196}" type="datetimeFigureOut">
               <a:rPr lang="en-US" smtClean="0"/>
-              <a:t>2/15/20</a:t>
+              <a:t>4/1/20</a:t>
             </a:fld>
             <a:endParaRPr lang="en-US"/>
           </a:p>
@@ -394,7 +394,7 @@
           <a:p>
             <a:fld id="{26BE012A-D992-5D42-B86E-AA2BC0764EE1}" type="datetimeFigureOut">
               <a:rPr lang="en-US" smtClean="0"/>
-              <a:t>2/15/20</a:t>
+              <a:t>4/1/20</a:t>
             </a:fld>
             <a:endParaRPr lang="en-US"/>
           </a:p>
@@ -770,7 +770,7 @@
           <a:p>
             <a:fld id="{18D02FFD-07D4-5C4F-BD77-921008177348}" type="slidenum">
               <a:rPr lang="en-US" smtClean="0"/>
-              <a:t>3</a:t>
+              <a:t>4</a:t>
             </a:fld>
             <a:endParaRPr lang="en-US"/>
           </a:p>
@@ -897,7 +897,7 @@
           <a:p>
             <a:fld id="{18D02FFD-07D4-5C4F-BD77-921008177348}" type="slidenum">
               <a:rPr lang="en-US" smtClean="0"/>
-              <a:t>4</a:t>
+              <a:t>5</a:t>
             </a:fld>
             <a:endParaRPr lang="en-US"/>
           </a:p>
@@ -25260,6 +25260,152 @@
           <p:cNvPr id="2" name="Title 1">
             <a:extLst>
               <a:ext uri="{FF2B5EF4-FFF2-40B4-BE49-F238E27FC236}">
+                <a16:creationId xmlns:a16="http://schemas.microsoft.com/office/drawing/2014/main" id="{C4A5CD42-F0E9-004F-851F-C0BA0EDF924C}"/>
+              </a:ext>
+            </a:extLst>
+          </p:cNvPr>
+          <p:cNvSpPr>
+            <a:spLocks noGrp="1"/>
+          </p:cNvSpPr>
+          <p:nvPr>
+            <p:ph type="title"/>
+          </p:nvPr>
+        </p:nvSpPr>
+        <p:spPr/>
+        <p:txBody>
+          <a:bodyPr/>
+          <a:lstStyle/>
+          <a:p>
+            <a:r>
+              <a:rPr lang="en-US" dirty="0"/>
+              <a:t>PYTORCH RNN details</a:t>
+            </a:r>
+            <a:br>
+              <a:rPr lang="en-US" dirty="0"/>
+            </a:br>
+            <a:endParaRPr lang="en-US" dirty="0"/>
+          </a:p>
+        </p:txBody>
+      </p:sp>
+      <p:sp>
+        <p:nvSpPr>
+          <p:cNvPr id="3" name="Slide Number Placeholder 2">
+            <a:extLst>
+              <a:ext uri="{FF2B5EF4-FFF2-40B4-BE49-F238E27FC236}">
+                <a16:creationId xmlns:a16="http://schemas.microsoft.com/office/drawing/2014/main" id="{B70CE4DB-F9EA-4741-9EB2-75ED74A9C77E}"/>
+              </a:ext>
+            </a:extLst>
+          </p:cNvPr>
+          <p:cNvSpPr>
+            <a:spLocks noGrp="1"/>
+          </p:cNvSpPr>
+          <p:nvPr>
+            <p:ph type="sldNum" sz="quarter" idx="10"/>
+          </p:nvPr>
+        </p:nvSpPr>
+        <p:spPr/>
+        <p:txBody>
+          <a:bodyPr/>
+          <a:lstStyle/>
+          <a:p>
+            <a:fld id="{D0BE6F14-FF48-0F4F-A8AA-2E3F25371E4A}" type="slidenum">
+              <a:rPr lang="en-US" smtClean="0"/>
+              <a:pPr/>
+              <a:t>3</a:t>
+            </a:fld>
+            <a:endParaRPr lang="en-US"/>
+          </a:p>
+        </p:txBody>
+      </p:sp>
+      <p:sp>
+        <p:nvSpPr>
+          <p:cNvPr id="4" name="Footer Placeholder 3">
+            <a:extLst>
+              <a:ext uri="{FF2B5EF4-FFF2-40B4-BE49-F238E27FC236}">
+                <a16:creationId xmlns:a16="http://schemas.microsoft.com/office/drawing/2014/main" id="{380F8414-D9FC-0744-9835-E1954BF7DA43}"/>
+              </a:ext>
+            </a:extLst>
+          </p:cNvPr>
+          <p:cNvSpPr>
+            <a:spLocks noGrp="1"/>
+          </p:cNvSpPr>
+          <p:nvPr>
+            <p:ph type="ftr" sz="quarter" idx="11"/>
+          </p:nvPr>
+        </p:nvSpPr>
+        <p:spPr/>
+        <p:txBody>
+          <a:bodyPr/>
+          <a:lstStyle/>
+          <a:p>
+            <a:r>
+              <a:rPr lang="de-DE"/>
+              <a:t>Replace the footer with text from the PPT-Updater. Instructions are included in that file.</a:t>
+            </a:r>
+            <a:endParaRPr lang="en-US"/>
+          </a:p>
+        </p:txBody>
+      </p:sp>
+      <p:sp>
+        <p:nvSpPr>
+          <p:cNvPr id="6" name="Text Placeholder 5">
+            <a:extLst>
+              <a:ext uri="{FF2B5EF4-FFF2-40B4-BE49-F238E27FC236}">
+                <a16:creationId xmlns:a16="http://schemas.microsoft.com/office/drawing/2014/main" id="{18FA2C53-4DD5-6E4B-9E22-45D1416B6585}"/>
+              </a:ext>
+            </a:extLst>
+          </p:cNvPr>
+          <p:cNvSpPr>
+            <a:spLocks noGrp="1"/>
+          </p:cNvSpPr>
+          <p:nvPr>
+            <p:ph type="body" sz="quarter" idx="13"/>
+          </p:nvPr>
+        </p:nvSpPr>
+        <p:spPr/>
+        <p:txBody>
+          <a:bodyPr/>
+          <a:lstStyle/>
+          <a:p>
+            <a:endParaRPr lang="en-US"/>
+          </a:p>
+        </p:txBody>
+      </p:sp>
+    </p:spTree>
+    <p:extLst>
+      <p:ext uri="{BB962C8B-B14F-4D97-AF65-F5344CB8AC3E}">
+        <p14:creationId xmlns:p14="http://schemas.microsoft.com/office/powerpoint/2010/main" val="4075851592"/>
+      </p:ext>
+    </p:extLst>
+  </p:cSld>
+  <p:clrMapOvr>
+    <a:masterClrMapping/>
+  </p:clrMapOvr>
+</p:sld>
+</file>
+
+<file path=ppt/slides/slide4.xml><?xml version="1.0" encoding="utf-8"?>
+<p:sld xmlns:a="http://schemas.openxmlformats.org/drawingml/2006/main" xmlns:r="http://schemas.openxmlformats.org/officeDocument/2006/relationships" xmlns:p="http://schemas.openxmlformats.org/presentationml/2006/main">
+  <p:cSld>
+    <p:spTree>
+      <p:nvGrpSpPr>
+        <p:cNvPr id="1" name=""/>
+        <p:cNvGrpSpPr/>
+        <p:nvPr/>
+      </p:nvGrpSpPr>
+      <p:grpSpPr>
+        <a:xfrm>
+          <a:off x="0" y="0"/>
+          <a:ext cx="0" cy="0"/>
+          <a:chOff x="0" y="0"/>
+          <a:chExt cx="0" cy="0"/>
+        </a:xfrm>
+      </p:grpSpPr>
+      <p:sp>
+        <p:nvSpPr>
+          <p:cNvPr id="2" name="Title 1">
+            <a:extLst>
+              <a:ext uri="{FF2B5EF4-FFF2-40B4-BE49-F238E27FC236}">
                 <a16:creationId xmlns:a16="http://schemas.microsoft.com/office/drawing/2014/main" id="{73B2AA79-25DA-7C40-8318-3E2913407955}"/>
               </a:ext>
             </a:extLst>
@@ -26651,7 +26797,7 @@
 </p:sld>
 </file>
 
-<file path=ppt/slides/slide4.xml><?xml version="1.0" encoding="utf-8"?>
+<file path=ppt/slides/slide5.xml><?xml version="1.0" encoding="utf-8"?>
 <p:sld xmlns:a="http://schemas.openxmlformats.org/drawingml/2006/main" xmlns:r="http://schemas.openxmlformats.org/officeDocument/2006/relationships" xmlns:p="http://schemas.openxmlformats.org/presentationml/2006/main">
   <p:cSld>
     <p:spTree>
@@ -28491,170 +28637,6 @@
     <p:extLst>
       <p:ext uri="{BB962C8B-B14F-4D97-AF65-F5344CB8AC3E}">
         <p14:creationId xmlns:p14="http://schemas.microsoft.com/office/powerpoint/2010/main" val="762142300"/>
-      </p:ext>
-    </p:extLst>
-  </p:cSld>
-  <p:clrMapOvr>
-    <a:masterClrMapping/>
-  </p:clrMapOvr>
-</p:sld>
-</file>
-
-<file path=ppt/slides/slide5.xml><?xml version="1.0" encoding="utf-8"?>
-<p:sld xmlns:a="http://schemas.openxmlformats.org/drawingml/2006/main" xmlns:r="http://schemas.openxmlformats.org/officeDocument/2006/relationships" xmlns:p="http://schemas.openxmlformats.org/presentationml/2006/main">
-  <p:cSld>
-    <p:spTree>
-      <p:nvGrpSpPr>
-        <p:cNvPr id="1" name=""/>
-        <p:cNvGrpSpPr/>
-        <p:nvPr/>
-      </p:nvGrpSpPr>
-      <p:grpSpPr>
-        <a:xfrm>
-          <a:off x="0" y="0"/>
-          <a:ext cx="0" cy="0"/>
-          <a:chOff x="0" y="0"/>
-          <a:chExt cx="0" cy="0"/>
-        </a:xfrm>
-      </p:grpSpPr>
-      <p:sp>
-        <p:nvSpPr>
-          <p:cNvPr id="2" name="Title 1">
-            <a:extLst>
-              <a:ext uri="{FF2B5EF4-FFF2-40B4-BE49-F238E27FC236}">
-                <a16:creationId xmlns:a16="http://schemas.microsoft.com/office/drawing/2014/main" id="{C4A5CD42-F0E9-004F-851F-C0BA0EDF924C}"/>
-              </a:ext>
-            </a:extLst>
-          </p:cNvPr>
-          <p:cNvSpPr>
-            <a:spLocks noGrp="1"/>
-          </p:cNvSpPr>
-          <p:nvPr>
-            <p:ph type="title"/>
-          </p:nvPr>
-        </p:nvSpPr>
-        <p:spPr/>
-        <p:txBody>
-          <a:bodyPr/>
-          <a:lstStyle/>
-          <a:p>
-            <a:endParaRPr lang="en-US"/>
-          </a:p>
-        </p:txBody>
-      </p:sp>
-      <p:sp>
-        <p:nvSpPr>
-          <p:cNvPr id="3" name="Slide Number Placeholder 2">
-            <a:extLst>
-              <a:ext uri="{FF2B5EF4-FFF2-40B4-BE49-F238E27FC236}">
-                <a16:creationId xmlns:a16="http://schemas.microsoft.com/office/drawing/2014/main" id="{B70CE4DB-F9EA-4741-9EB2-75ED74A9C77E}"/>
-              </a:ext>
-            </a:extLst>
-          </p:cNvPr>
-          <p:cNvSpPr>
-            <a:spLocks noGrp="1"/>
-          </p:cNvSpPr>
-          <p:nvPr>
-            <p:ph type="sldNum" sz="quarter" idx="10"/>
-          </p:nvPr>
-        </p:nvSpPr>
-        <p:spPr/>
-        <p:txBody>
-          <a:bodyPr/>
-          <a:lstStyle/>
-          <a:p>
-            <a:fld id="{D0BE6F14-FF48-0F4F-A8AA-2E3F25371E4A}" type="slidenum">
-              <a:rPr lang="en-US" smtClean="0"/>
-              <a:pPr/>
-              <a:t>5</a:t>
-            </a:fld>
-            <a:endParaRPr lang="en-US"/>
-          </a:p>
-        </p:txBody>
-      </p:sp>
-      <p:sp>
-        <p:nvSpPr>
-          <p:cNvPr id="4" name="Footer Placeholder 3">
-            <a:extLst>
-              <a:ext uri="{FF2B5EF4-FFF2-40B4-BE49-F238E27FC236}">
-                <a16:creationId xmlns:a16="http://schemas.microsoft.com/office/drawing/2014/main" id="{380F8414-D9FC-0744-9835-E1954BF7DA43}"/>
-              </a:ext>
-            </a:extLst>
-          </p:cNvPr>
-          <p:cNvSpPr>
-            <a:spLocks noGrp="1"/>
-          </p:cNvSpPr>
-          <p:nvPr>
-            <p:ph type="ftr" sz="quarter" idx="11"/>
-          </p:nvPr>
-        </p:nvSpPr>
-        <p:spPr/>
-        <p:txBody>
-          <a:bodyPr/>
-          <a:lstStyle/>
-          <a:p>
-            <a:r>
-              <a:rPr lang="de-DE"/>
-              <a:t>Replace the footer with text from the PPT-Updater. Instructions are included in that file.</a:t>
-            </a:r>
-            <a:endParaRPr lang="en-US"/>
-          </a:p>
-        </p:txBody>
-      </p:sp>
-      <p:sp>
-        <p:nvSpPr>
-          <p:cNvPr id="5" name="Text Placeholder 4">
-            <a:extLst>
-              <a:ext uri="{FF2B5EF4-FFF2-40B4-BE49-F238E27FC236}">
-                <a16:creationId xmlns:a16="http://schemas.microsoft.com/office/drawing/2014/main" id="{490A4519-F84F-C14A-91DF-C5A393A53957}"/>
-              </a:ext>
-            </a:extLst>
-          </p:cNvPr>
-          <p:cNvSpPr>
-            <a:spLocks noGrp="1"/>
-          </p:cNvSpPr>
-          <p:nvPr>
-            <p:ph type="body" sz="quarter" idx="12"/>
-          </p:nvPr>
-        </p:nvSpPr>
-        <p:spPr/>
-        <p:txBody>
-          <a:bodyPr/>
-          <a:lstStyle/>
-          <a:p>
-            <a:endParaRPr lang="en-US"/>
-          </a:p>
-        </p:txBody>
-      </p:sp>
-      <p:sp>
-        <p:nvSpPr>
-          <p:cNvPr id="6" name="Text Placeholder 5">
-            <a:extLst>
-              <a:ext uri="{FF2B5EF4-FFF2-40B4-BE49-F238E27FC236}">
-                <a16:creationId xmlns:a16="http://schemas.microsoft.com/office/drawing/2014/main" id="{18FA2C53-4DD5-6E4B-9E22-45D1416B6585}"/>
-              </a:ext>
-            </a:extLst>
-          </p:cNvPr>
-          <p:cNvSpPr>
-            <a:spLocks noGrp="1"/>
-          </p:cNvSpPr>
-          <p:nvPr>
-            <p:ph type="body" sz="quarter" idx="13"/>
-          </p:nvPr>
-        </p:nvSpPr>
-        <p:spPr/>
-        <p:txBody>
-          <a:bodyPr/>
-          <a:lstStyle/>
-          <a:p>
-            <a:endParaRPr lang="en-US"/>
-          </a:p>
-        </p:txBody>
-      </p:sp>
-    </p:spTree>
-    <p:extLst>
-      <p:ext uri="{BB962C8B-B14F-4D97-AF65-F5344CB8AC3E}">
-        <p14:creationId xmlns:p14="http://schemas.microsoft.com/office/powerpoint/2010/main" val="4075851592"/>
       </p:ext>
     </p:extLst>
   </p:cSld>

--- a/Sequence/fastai_lstm_rnn_timeseries.pptx
+++ b/Sequence/fastai_lstm_rnn_timeseries.pptx
@@ -228,7 +228,7 @@
           <a:p>
             <a:fld id="{43B1B1F9-D0CB-FF4D-BEE0-BED1F1FDA196}" type="datetimeFigureOut">
               <a:rPr lang="en-US" smtClean="0"/>
-              <a:t>4/1/20</a:t>
+              <a:t>4/27/20</a:t>
             </a:fld>
             <a:endParaRPr lang="en-US"/>
           </a:p>
@@ -394,7 +394,7 @@
           <a:p>
             <a:fld id="{26BE012A-D992-5D42-B86E-AA2BC0764EE1}" type="datetimeFigureOut">
               <a:rPr lang="en-US" smtClean="0"/>
-              <a:t>4/1/20</a:t>
+              <a:t>4/27/20</a:t>
             </a:fld>
             <a:endParaRPr lang="en-US"/>
           </a:p>
@@ -25342,31 +25342,6 @@
               <a:rPr lang="de-DE"/>
               <a:t>Replace the footer with text from the PPT-Updater. Instructions are included in that file.</a:t>
             </a:r>
-            <a:endParaRPr lang="en-US"/>
-          </a:p>
-        </p:txBody>
-      </p:sp>
-      <p:sp>
-        <p:nvSpPr>
-          <p:cNvPr id="6" name="Text Placeholder 5">
-            <a:extLst>
-              <a:ext uri="{FF2B5EF4-FFF2-40B4-BE49-F238E27FC236}">
-                <a16:creationId xmlns:a16="http://schemas.microsoft.com/office/drawing/2014/main" id="{18FA2C53-4DD5-6E4B-9E22-45D1416B6585}"/>
-              </a:ext>
-            </a:extLst>
-          </p:cNvPr>
-          <p:cNvSpPr>
-            <a:spLocks noGrp="1"/>
-          </p:cNvSpPr>
-          <p:nvPr>
-            <p:ph type="body" sz="quarter" idx="13"/>
-          </p:nvPr>
-        </p:nvSpPr>
-        <p:spPr/>
-        <p:txBody>
-          <a:bodyPr/>
-          <a:lstStyle/>
-          <a:p>
             <a:endParaRPr lang="en-US"/>
           </a:p>
         </p:txBody>
